--- a/images/Lumen分析图.pptx
+++ b/images/Lumen分析图.pptx
@@ -5,10 +5,11 @@
     <p:sldMasterId id="2147483648" r:id="rId1"/>
   </p:sldMasterIdLst>
   <p:notesMasterIdLst>
-    <p:notesMasterId r:id="rId3"/>
+    <p:notesMasterId r:id="rId4"/>
   </p:notesMasterIdLst>
   <p:sldIdLst>
     <p:sldId id="256" r:id="rId2"/>
+    <p:sldId id="257" r:id="rId3"/>
   </p:sldIdLst>
   <p:sldSz cx="12192000" cy="6858000"/>
   <p:notesSz cx="6858000" cy="9144000"/>
@@ -197,7 +198,7 @@
           <a:p>
             <a:fld id="{EBED92C1-E1E7-4A47-950D-CDDCB864850B}" type="datetimeFigureOut">
               <a:rPr lang="zh-CN" altLang="en-US" smtClean="0"/>
-              <a:t>2021/6/6</a:t>
+              <a:t>2021/6/12</a:t>
             </a:fld>
             <a:endParaRPr lang="zh-CN" altLang="en-US"/>
           </a:p>
@@ -680,7 +681,7 @@
           <a:p>
             <a:fld id="{6C53308C-9145-4105-91FB-D2AE27DEB393}" type="datetimeFigureOut">
               <a:rPr lang="zh-CN" altLang="en-US" smtClean="0"/>
-              <a:t>2021/6/6</a:t>
+              <a:t>2021/6/12</a:t>
             </a:fld>
             <a:endParaRPr lang="zh-CN" altLang="en-US"/>
           </a:p>
@@ -850,7 +851,7 @@
           <a:p>
             <a:fld id="{6C53308C-9145-4105-91FB-D2AE27DEB393}" type="datetimeFigureOut">
               <a:rPr lang="zh-CN" altLang="en-US" smtClean="0"/>
-              <a:t>2021/6/6</a:t>
+              <a:t>2021/6/12</a:t>
             </a:fld>
             <a:endParaRPr lang="zh-CN" altLang="en-US"/>
           </a:p>
@@ -1030,7 +1031,7 @@
           <a:p>
             <a:fld id="{6C53308C-9145-4105-91FB-D2AE27DEB393}" type="datetimeFigureOut">
               <a:rPr lang="zh-CN" altLang="en-US" smtClean="0"/>
-              <a:t>2021/6/6</a:t>
+              <a:t>2021/6/12</a:t>
             </a:fld>
             <a:endParaRPr lang="zh-CN" altLang="en-US"/>
           </a:p>
@@ -1200,7 +1201,7 @@
           <a:p>
             <a:fld id="{6C53308C-9145-4105-91FB-D2AE27DEB393}" type="datetimeFigureOut">
               <a:rPr lang="zh-CN" altLang="en-US" smtClean="0"/>
-              <a:t>2021/6/6</a:t>
+              <a:t>2021/6/12</a:t>
             </a:fld>
             <a:endParaRPr lang="zh-CN" altLang="en-US"/>
           </a:p>
@@ -1446,7 +1447,7 @@
           <a:p>
             <a:fld id="{6C53308C-9145-4105-91FB-D2AE27DEB393}" type="datetimeFigureOut">
               <a:rPr lang="zh-CN" altLang="en-US" smtClean="0"/>
-              <a:t>2021/6/6</a:t>
+              <a:t>2021/6/12</a:t>
             </a:fld>
             <a:endParaRPr lang="zh-CN" altLang="en-US"/>
           </a:p>
@@ -1678,7 +1679,7 @@
           <a:p>
             <a:fld id="{6C53308C-9145-4105-91FB-D2AE27DEB393}" type="datetimeFigureOut">
               <a:rPr lang="zh-CN" altLang="en-US" smtClean="0"/>
-              <a:t>2021/6/6</a:t>
+              <a:t>2021/6/12</a:t>
             </a:fld>
             <a:endParaRPr lang="zh-CN" altLang="en-US"/>
           </a:p>
@@ -2045,7 +2046,7 @@
           <a:p>
             <a:fld id="{6C53308C-9145-4105-91FB-D2AE27DEB393}" type="datetimeFigureOut">
               <a:rPr lang="zh-CN" altLang="en-US" smtClean="0"/>
-              <a:t>2021/6/6</a:t>
+              <a:t>2021/6/12</a:t>
             </a:fld>
             <a:endParaRPr lang="zh-CN" altLang="en-US"/>
           </a:p>
@@ -2163,7 +2164,7 @@
           <a:p>
             <a:fld id="{6C53308C-9145-4105-91FB-D2AE27DEB393}" type="datetimeFigureOut">
               <a:rPr lang="zh-CN" altLang="en-US" smtClean="0"/>
-              <a:t>2021/6/6</a:t>
+              <a:t>2021/6/12</a:t>
             </a:fld>
             <a:endParaRPr lang="zh-CN" altLang="en-US"/>
           </a:p>
@@ -2258,7 +2259,7 @@
           <a:p>
             <a:fld id="{6C53308C-9145-4105-91FB-D2AE27DEB393}" type="datetimeFigureOut">
               <a:rPr lang="zh-CN" altLang="en-US" smtClean="0"/>
-              <a:t>2021/6/6</a:t>
+              <a:t>2021/6/12</a:t>
             </a:fld>
             <a:endParaRPr lang="zh-CN" altLang="en-US"/>
           </a:p>
@@ -2535,7 +2536,7 @@
           <a:p>
             <a:fld id="{6C53308C-9145-4105-91FB-D2AE27DEB393}" type="datetimeFigureOut">
               <a:rPr lang="zh-CN" altLang="en-US" smtClean="0"/>
-              <a:t>2021/6/6</a:t>
+              <a:t>2021/6/12</a:t>
             </a:fld>
             <a:endParaRPr lang="zh-CN" altLang="en-US"/>
           </a:p>
@@ -2788,7 +2789,7 @@
           <a:p>
             <a:fld id="{6C53308C-9145-4105-91FB-D2AE27DEB393}" type="datetimeFigureOut">
               <a:rPr lang="zh-CN" altLang="en-US" smtClean="0"/>
-              <a:t>2021/6/6</a:t>
+              <a:t>2021/6/12</a:t>
             </a:fld>
             <a:endParaRPr lang="zh-CN" altLang="en-US"/>
           </a:p>
@@ -3001,7 +3002,7 @@
           <a:p>
             <a:fld id="{6C53308C-9145-4105-91FB-D2AE27DEB393}" type="datetimeFigureOut">
               <a:rPr lang="zh-CN" altLang="en-US" smtClean="0"/>
-              <a:t>2021/6/6</a:t>
+              <a:t>2021/6/12</a:t>
             </a:fld>
             <a:endParaRPr lang="zh-CN" altLang="en-US"/>
           </a:p>
@@ -5876,6 +5877,36 @@
     <p:extLst>
       <p:ext uri="{BB962C8B-B14F-4D97-AF65-F5344CB8AC3E}">
         <p14:creationId xmlns:p14="http://schemas.microsoft.com/office/powerpoint/2010/main" val="1236375590"/>
+      </p:ext>
+    </p:extLst>
+  </p:cSld>
+  <p:clrMapOvr>
+    <a:masterClrMapping/>
+  </p:clrMapOvr>
+</p:sld>
+</file>
+
+<file path=ppt/slides/slide2.xml><?xml version="1.0" encoding="utf-8"?>
+<p:sld xmlns:a="http://schemas.openxmlformats.org/drawingml/2006/main" xmlns:r="http://schemas.openxmlformats.org/officeDocument/2006/relationships" xmlns:p="http://schemas.openxmlformats.org/presentationml/2006/main">
+  <p:cSld>
+    <p:spTree>
+      <p:nvGrpSpPr>
+        <p:cNvPr id="1" name=""/>
+        <p:cNvGrpSpPr/>
+        <p:nvPr/>
+      </p:nvGrpSpPr>
+      <p:grpSpPr>
+        <a:xfrm>
+          <a:off x="0" y="0"/>
+          <a:ext cx="0" cy="0"/>
+          <a:chOff x="0" y="0"/>
+          <a:chExt cx="0" cy="0"/>
+        </a:xfrm>
+      </p:grpSpPr>
+    </p:spTree>
+    <p:extLst>
+      <p:ext uri="{BB962C8B-B14F-4D97-AF65-F5344CB8AC3E}">
+        <p14:creationId xmlns:p14="http://schemas.microsoft.com/office/powerpoint/2010/main" val="2620848368"/>
       </p:ext>
     </p:extLst>
   </p:cSld>
